--- a/document/캐릭터이미지.pptx
+++ b/document/캐릭터이미지.pptx
@@ -5,7 +5,10 @@
     <p:sldMasterId id="2147483648" r:id="rId1"/>
   </p:sldMasterIdLst>
   <p:sldIdLst>
-    <p:sldId id="256" r:id="rId2"/>
+    <p:sldId id="257" r:id="rId2"/>
+    <p:sldId id="258" r:id="rId3"/>
+    <p:sldId id="259" r:id="rId4"/>
+    <p:sldId id="256" r:id="rId5"/>
   </p:sldIdLst>
   <p:sldSz cx="12192000" cy="6858000"/>
   <p:notesSz cx="6858000" cy="9144000"/>
@@ -104,6 +107,11 @@
       </a:defRPr>
     </a:lvl9pPr>
   </p:defaultTextStyle>
+  <p:extLst>
+    <p:ext uri="{EFAFB233-063F-42B5-8137-9DF3F51BA10A}">
+      <p15:sldGuideLst xmlns:p15="http://schemas.microsoft.com/office/powerpoint/2012/main"/>
+    </p:ext>
+  </p:extLst>
 </p:presentation>
 </file>
 
@@ -254,7 +262,7 @@
           <a:p>
             <a:fld id="{2162F094-1C8A-46D0-AA96-9F1D21E7A6F0}" type="datetimeFigureOut">
               <a:rPr lang="ko-KR" altLang="en-US" smtClean="0"/>
-              <a:t>2022-12-15</a:t>
+              <a:t>2023-01-05</a:t>
             </a:fld>
             <a:endParaRPr lang="ko-KR" altLang="en-US"/>
           </a:p>
@@ -452,7 +460,7 @@
           <a:p>
             <a:fld id="{2162F094-1C8A-46D0-AA96-9F1D21E7A6F0}" type="datetimeFigureOut">
               <a:rPr lang="ko-KR" altLang="en-US" smtClean="0"/>
-              <a:t>2022-12-15</a:t>
+              <a:t>2023-01-05</a:t>
             </a:fld>
             <a:endParaRPr lang="ko-KR" altLang="en-US"/>
           </a:p>
@@ -660,7 +668,7 @@
           <a:p>
             <a:fld id="{2162F094-1C8A-46D0-AA96-9F1D21E7A6F0}" type="datetimeFigureOut">
               <a:rPr lang="ko-KR" altLang="en-US" smtClean="0"/>
-              <a:t>2022-12-15</a:t>
+              <a:t>2023-01-05</a:t>
             </a:fld>
             <a:endParaRPr lang="ko-KR" altLang="en-US"/>
           </a:p>
@@ -858,7 +866,7 @@
           <a:p>
             <a:fld id="{2162F094-1C8A-46D0-AA96-9F1D21E7A6F0}" type="datetimeFigureOut">
               <a:rPr lang="ko-KR" altLang="en-US" smtClean="0"/>
-              <a:t>2022-12-15</a:t>
+              <a:t>2023-01-05</a:t>
             </a:fld>
             <a:endParaRPr lang="ko-KR" altLang="en-US"/>
           </a:p>
@@ -1133,7 +1141,7 @@
           <a:p>
             <a:fld id="{2162F094-1C8A-46D0-AA96-9F1D21E7A6F0}" type="datetimeFigureOut">
               <a:rPr lang="ko-KR" altLang="en-US" smtClean="0"/>
-              <a:t>2022-12-15</a:t>
+              <a:t>2023-01-05</a:t>
             </a:fld>
             <a:endParaRPr lang="ko-KR" altLang="en-US"/>
           </a:p>
@@ -1398,7 +1406,7 @@
           <a:p>
             <a:fld id="{2162F094-1C8A-46D0-AA96-9F1D21E7A6F0}" type="datetimeFigureOut">
               <a:rPr lang="ko-KR" altLang="en-US" smtClean="0"/>
-              <a:t>2022-12-15</a:t>
+              <a:t>2023-01-05</a:t>
             </a:fld>
             <a:endParaRPr lang="ko-KR" altLang="en-US"/>
           </a:p>
@@ -1810,7 +1818,7 @@
           <a:p>
             <a:fld id="{2162F094-1C8A-46D0-AA96-9F1D21E7A6F0}" type="datetimeFigureOut">
               <a:rPr lang="ko-KR" altLang="en-US" smtClean="0"/>
-              <a:t>2022-12-15</a:t>
+              <a:t>2023-01-05</a:t>
             </a:fld>
             <a:endParaRPr lang="ko-KR" altLang="en-US"/>
           </a:p>
@@ -1951,7 +1959,7 @@
           <a:p>
             <a:fld id="{2162F094-1C8A-46D0-AA96-9F1D21E7A6F0}" type="datetimeFigureOut">
               <a:rPr lang="ko-KR" altLang="en-US" smtClean="0"/>
-              <a:t>2022-12-15</a:t>
+              <a:t>2023-01-05</a:t>
             </a:fld>
             <a:endParaRPr lang="ko-KR" altLang="en-US"/>
           </a:p>
@@ -2064,7 +2072,7 @@
           <a:p>
             <a:fld id="{2162F094-1C8A-46D0-AA96-9F1D21E7A6F0}" type="datetimeFigureOut">
               <a:rPr lang="ko-KR" altLang="en-US" smtClean="0"/>
-              <a:t>2022-12-15</a:t>
+              <a:t>2023-01-05</a:t>
             </a:fld>
             <a:endParaRPr lang="ko-KR" altLang="en-US"/>
           </a:p>
@@ -2375,7 +2383,7 @@
           <a:p>
             <a:fld id="{2162F094-1C8A-46D0-AA96-9F1D21E7A6F0}" type="datetimeFigureOut">
               <a:rPr lang="ko-KR" altLang="en-US" smtClean="0"/>
-              <a:t>2022-12-15</a:t>
+              <a:t>2023-01-05</a:t>
             </a:fld>
             <a:endParaRPr lang="ko-KR" altLang="en-US"/>
           </a:p>
@@ -2663,7 +2671,7 @@
           <a:p>
             <a:fld id="{2162F094-1C8A-46D0-AA96-9F1D21E7A6F0}" type="datetimeFigureOut">
               <a:rPr lang="ko-KR" altLang="en-US" smtClean="0"/>
-              <a:t>2022-12-15</a:t>
+              <a:t>2023-01-05</a:t>
             </a:fld>
             <a:endParaRPr lang="ko-KR" altLang="en-US"/>
           </a:p>
@@ -2904,7 +2912,7 @@
           <a:p>
             <a:fld id="{2162F094-1C8A-46D0-AA96-9F1D21E7A6F0}" type="datetimeFigureOut">
               <a:rPr lang="ko-KR" altLang="en-US" smtClean="0"/>
-              <a:t>2022-12-15</a:t>
+              <a:t>2023-01-05</a:t>
             </a:fld>
             <a:endParaRPr lang="ko-KR" altLang="en-US"/>
           </a:p>
@@ -3321,12 +3329,363 @@
           <a:chExt cx="0" cy="0"/>
         </a:xfrm>
       </p:grpSpPr>
+      <p:sp>
+        <p:nvSpPr>
+          <p:cNvPr id="2" name="TextBox 1">
+            <a:extLst>
+              <a:ext uri="{FF2B5EF4-FFF2-40B4-BE49-F238E27FC236}">
+                <a16:creationId xmlns:a16="http://schemas.microsoft.com/office/drawing/2014/main" id="{3FC06CDC-EA67-6BA0-E4BC-A4FE6F88E8F9}"/>
+              </a:ext>
+            </a:extLst>
+          </p:cNvPr>
+          <p:cNvSpPr txBox="1"/>
+          <p:nvPr/>
+        </p:nvSpPr>
+        <p:spPr>
+          <a:xfrm>
+            <a:off x="235131" y="235131"/>
+            <a:ext cx="3345788" cy="584775"/>
+          </a:xfrm>
+          <a:prstGeom prst="rect">
+            <a:avLst/>
+          </a:prstGeom>
+          <a:noFill/>
+        </p:spPr>
+        <p:txBody>
+          <a:bodyPr wrap="none" rtlCol="0">
+            <a:spAutoFit/>
+          </a:bodyPr>
+          <a:lstStyle/>
+          <a:p>
+            <a:r>
+              <a:rPr lang="ko-KR" altLang="en-US" sz="3200" dirty="0"/>
+              <a:t>캐릭터 컨셉 개요</a:t>
+            </a:r>
+          </a:p>
+        </p:txBody>
+      </p:sp>
+      <p:sp>
+        <p:nvSpPr>
+          <p:cNvPr id="4" name="TextBox 3">
+            <a:extLst>
+              <a:ext uri="{FF2B5EF4-FFF2-40B4-BE49-F238E27FC236}">
+                <a16:creationId xmlns:a16="http://schemas.microsoft.com/office/drawing/2014/main" id="{52CE69B3-73A7-C0FD-A681-BA6C4E4B716E}"/>
+              </a:ext>
+            </a:extLst>
+          </p:cNvPr>
+          <p:cNvSpPr txBox="1"/>
+          <p:nvPr/>
+        </p:nvSpPr>
+        <p:spPr>
+          <a:xfrm>
+            <a:off x="583474" y="4737462"/>
+            <a:ext cx="11146972" cy="1569660"/>
+          </a:xfrm>
+          <a:prstGeom prst="rect">
+            <a:avLst/>
+          </a:prstGeom>
+          <a:noFill/>
+        </p:spPr>
+        <p:txBody>
+          <a:bodyPr wrap="square" rtlCol="0">
+            <a:spAutoFit/>
+          </a:bodyPr>
+          <a:lstStyle/>
+          <a:p>
+            <a:pPr marL="285750" indent="-285750">
+              <a:buFontTx/>
+              <a:buChar char="-"/>
+            </a:pPr>
+            <a:r>
+              <a:rPr lang="ko-KR" altLang="en-US" sz="1600" dirty="0"/>
+              <a:t>연구소에서 오랜 기간동안 연구를 진행해서 눈 밑에 </a:t>
+            </a:r>
+            <a:r>
+              <a:rPr lang="ko-KR" altLang="en-US" sz="1600" dirty="0" err="1"/>
+              <a:t>다크</a:t>
+            </a:r>
+            <a:r>
+              <a:rPr lang="ko-KR" altLang="en-US" sz="1600" dirty="0"/>
+              <a:t> 서클이 생김</a:t>
+            </a:r>
+            <a:endParaRPr lang="en-US" altLang="ko-KR" sz="1600" dirty="0"/>
+          </a:p>
+          <a:p>
+            <a:pPr marL="285750" indent="-285750">
+              <a:buFontTx/>
+              <a:buChar char="-"/>
+            </a:pPr>
+            <a:r>
+              <a:rPr lang="ko-KR" altLang="en-US" sz="1600" dirty="0"/>
+              <a:t>캐릭터가 가지고 있는 로브는 연구소에서 자주 입던 옷으로 옷에 시약 얼룩이 약간 묻어 있다</a:t>
+            </a:r>
+            <a:r>
+              <a:rPr lang="en-US" altLang="ko-KR" sz="1600" dirty="0"/>
+              <a:t>.</a:t>
+            </a:r>
+          </a:p>
+          <a:p>
+            <a:pPr marL="285750" indent="-285750">
+              <a:buFontTx/>
+              <a:buChar char="-"/>
+            </a:pPr>
+            <a:r>
+              <a:rPr lang="ko-KR" altLang="en-US" sz="1600" dirty="0"/>
+              <a:t>머리색은 기본적으로 검은색이지만 과로로 인한 흰머리가 조금씩 있다</a:t>
+            </a:r>
+            <a:r>
+              <a:rPr lang="en-US" altLang="ko-KR" sz="1600" dirty="0"/>
+              <a:t>.</a:t>
+            </a:r>
+          </a:p>
+          <a:p>
+            <a:pPr marL="285750" indent="-285750">
+              <a:buFontTx/>
+              <a:buChar char="-"/>
+            </a:pPr>
+            <a:r>
+              <a:rPr lang="ko-KR" altLang="en-US" sz="1600" dirty="0"/>
+              <a:t>겉옷인 로브의 색은 정해진 색 중에 하나를 선택하여 적용할 수 있다</a:t>
+            </a:r>
+            <a:r>
+              <a:rPr lang="en-US" altLang="ko-KR" sz="1600" dirty="0"/>
+              <a:t>.</a:t>
+            </a:r>
+          </a:p>
+          <a:p>
+            <a:pPr marL="285750" indent="-285750">
+              <a:buFontTx/>
+              <a:buChar char="-"/>
+            </a:pPr>
+            <a:r>
+              <a:rPr lang="ko-KR" altLang="en-US" sz="1600" dirty="0"/>
+              <a:t>신발은 발목까지 오는 워커형식의 신발을 신고 있다</a:t>
+            </a:r>
+            <a:r>
+              <a:rPr lang="en-US" altLang="ko-KR" sz="1600" dirty="0"/>
+              <a:t>.</a:t>
+            </a:r>
+          </a:p>
+          <a:p>
+            <a:pPr marL="285750" indent="-285750">
+              <a:buFontTx/>
+              <a:buChar char="-"/>
+            </a:pPr>
+            <a:r>
+              <a:rPr lang="ko-KR" altLang="en-US" sz="1600" dirty="0">
+                <a:solidFill>
+                  <a:schemeClr val="accent1"/>
+                </a:solidFill>
+              </a:rPr>
+              <a:t>성격은 추천 받음</a:t>
+            </a:r>
+            <a:endParaRPr lang="en-US" altLang="ko-KR" sz="1600" dirty="0">
+              <a:solidFill>
+                <a:schemeClr val="accent1"/>
+              </a:solidFill>
+            </a:endParaRPr>
+          </a:p>
+        </p:txBody>
+      </p:sp>
+      <p:sp>
+        <p:nvSpPr>
+          <p:cNvPr id="7" name="TextBox 6">
+            <a:extLst>
+              <a:ext uri="{FF2B5EF4-FFF2-40B4-BE49-F238E27FC236}">
+                <a16:creationId xmlns:a16="http://schemas.microsoft.com/office/drawing/2014/main" id="{9DAF5B5E-4B3D-4AB3-A510-07DEC29C9038}"/>
+              </a:ext>
+            </a:extLst>
+          </p:cNvPr>
+          <p:cNvSpPr txBox="1"/>
+          <p:nvPr/>
+        </p:nvSpPr>
+        <p:spPr>
+          <a:xfrm>
+            <a:off x="5626160" y="4328160"/>
+            <a:ext cx="939681" cy="261610"/>
+          </a:xfrm>
+          <a:prstGeom prst="rect">
+            <a:avLst/>
+          </a:prstGeom>
+          <a:noFill/>
+        </p:spPr>
+        <p:txBody>
+          <a:bodyPr wrap="none" rtlCol="0">
+            <a:spAutoFit/>
+          </a:bodyPr>
+          <a:lstStyle/>
+          <a:p>
+            <a:pPr algn="ctr"/>
+            <a:r>
+              <a:rPr lang="ko-KR" altLang="en-US" sz="1100"/>
+              <a:t>예시 이미지</a:t>
+            </a:r>
+          </a:p>
+        </p:txBody>
+      </p:sp>
+      <p:grpSp>
+        <p:nvGrpSpPr>
+          <p:cNvPr id="8" name="그룹 7">
+            <a:extLst>
+              <a:ext uri="{FF2B5EF4-FFF2-40B4-BE49-F238E27FC236}">
+                <a16:creationId xmlns:a16="http://schemas.microsoft.com/office/drawing/2014/main" id="{F0C0E4D6-FC78-850D-FAE4-186C142B647F}"/>
+              </a:ext>
+            </a:extLst>
+          </p:cNvPr>
+          <p:cNvGrpSpPr/>
+          <p:nvPr/>
+        </p:nvGrpSpPr>
+        <p:grpSpPr>
+          <a:xfrm>
+            <a:off x="2074057" y="1159538"/>
+            <a:ext cx="8043887" cy="3081534"/>
+            <a:chOff x="3475922" y="1159538"/>
+            <a:chExt cx="8043887" cy="3081534"/>
+          </a:xfrm>
+        </p:grpSpPr>
+        <p:pic>
+          <p:nvPicPr>
+            <p:cNvPr id="6" name="그림 5" descr="텍스트이(가) 표시된 사진&#10;&#10;자동 생성된 설명">
+              <a:extLst>
+                <a:ext uri="{FF2B5EF4-FFF2-40B4-BE49-F238E27FC236}">
+                  <a16:creationId xmlns:a16="http://schemas.microsoft.com/office/drawing/2014/main" id="{97431801-33FE-A04E-52D2-9202F9E91E33}"/>
+                </a:ext>
+              </a:extLst>
+            </p:cNvPr>
+            <p:cNvPicPr>
+              <a:picLocks noChangeAspect="1"/>
+            </p:cNvPicPr>
+            <p:nvPr/>
+          </p:nvPicPr>
+          <p:blipFill rotWithShape="1">
+            <a:blip r:embed="rId2">
+              <a:extLst>
+                <a:ext uri="{28A0092B-C50C-407E-A947-70E740481C1C}">
+                  <a14:useLocalDpi xmlns:a14="http://schemas.microsoft.com/office/drawing/2010/main" val="0"/>
+                </a:ext>
+              </a:extLst>
+            </a:blip>
+            <a:srcRect t="34558" b="32108"/>
+            <a:stretch/>
+          </p:blipFill>
+          <p:spPr>
+            <a:xfrm>
+              <a:off x="3475922" y="1159538"/>
+              <a:ext cx="5240157" cy="3081534"/>
+            </a:xfrm>
+            <a:prstGeom prst="rect">
+              <a:avLst/>
+            </a:prstGeom>
+          </p:spPr>
+        </p:pic>
+        <p:pic>
+          <p:nvPicPr>
+            <p:cNvPr id="5" name="그림 4">
+              <a:extLst>
+                <a:ext uri="{FF2B5EF4-FFF2-40B4-BE49-F238E27FC236}">
+                  <a16:creationId xmlns:a16="http://schemas.microsoft.com/office/drawing/2014/main" id="{EABFB4A2-4C91-5BBF-7984-EE9C98E0D93D}"/>
+                </a:ext>
+              </a:extLst>
+            </p:cNvPr>
+            <p:cNvPicPr>
+              <a:picLocks noChangeAspect="1"/>
+            </p:cNvPicPr>
+            <p:nvPr/>
+          </p:nvPicPr>
+          <p:blipFill>
+            <a:blip r:embed="rId3">
+              <a:extLst>
+                <a:ext uri="{28A0092B-C50C-407E-A947-70E740481C1C}">
+                  <a14:useLocalDpi xmlns:a14="http://schemas.microsoft.com/office/drawing/2010/main" val="0"/>
+                </a:ext>
+              </a:extLst>
+            </a:blip>
+            <a:stretch>
+              <a:fillRect/>
+            </a:stretch>
+          </p:blipFill>
+          <p:spPr>
+            <a:xfrm>
+              <a:off x="9048204" y="1159538"/>
+              <a:ext cx="2471605" cy="3081534"/>
+            </a:xfrm>
+            <a:prstGeom prst="rect">
+              <a:avLst/>
+            </a:prstGeom>
+          </p:spPr>
+        </p:pic>
+      </p:grpSp>
+    </p:spTree>
+    <p:extLst>
+      <p:ext uri="{BB962C8B-B14F-4D97-AF65-F5344CB8AC3E}">
+        <p14:creationId xmlns:p14="http://schemas.microsoft.com/office/powerpoint/2010/main" val="2800293560"/>
+      </p:ext>
+    </p:extLst>
+  </p:cSld>
+  <p:clrMapOvr>
+    <a:masterClrMapping/>
+  </p:clrMapOvr>
+</p:sld>
+</file>
+
+<file path=ppt/slides/slide2.xml><?xml version="1.0" encoding="utf-8"?>
+<p:sld xmlns:a="http://schemas.openxmlformats.org/drawingml/2006/main" xmlns:r="http://schemas.openxmlformats.org/officeDocument/2006/relationships" xmlns:p="http://schemas.openxmlformats.org/presentationml/2006/main">
+  <p:cSld>
+    <p:spTree>
+      <p:nvGrpSpPr>
+        <p:cNvPr id="1" name=""/>
+        <p:cNvGrpSpPr/>
+        <p:nvPr/>
+      </p:nvGrpSpPr>
+      <p:grpSpPr>
+        <a:xfrm>
+          <a:off x="0" y="0"/>
+          <a:ext cx="0" cy="0"/>
+          <a:chOff x="0" y="0"/>
+          <a:chExt cx="0" cy="0"/>
+        </a:xfrm>
+      </p:grpSpPr>
+      <p:sp>
+        <p:nvSpPr>
+          <p:cNvPr id="2" name="TextBox 1">
+            <a:extLst>
+              <a:ext uri="{FF2B5EF4-FFF2-40B4-BE49-F238E27FC236}">
+                <a16:creationId xmlns:a16="http://schemas.microsoft.com/office/drawing/2014/main" id="{3FC06CDC-EA67-6BA0-E4BC-A4FE6F88E8F9}"/>
+              </a:ext>
+            </a:extLst>
+          </p:cNvPr>
+          <p:cNvSpPr txBox="1"/>
+          <p:nvPr/>
+        </p:nvSpPr>
+        <p:spPr>
+          <a:xfrm>
+            <a:off x="235131" y="235131"/>
+            <a:ext cx="1970411" cy="584775"/>
+          </a:xfrm>
+          <a:prstGeom prst="rect">
+            <a:avLst/>
+          </a:prstGeom>
+          <a:noFill/>
+        </p:spPr>
+        <p:txBody>
+          <a:bodyPr wrap="none" rtlCol="0">
+            <a:spAutoFit/>
+          </a:bodyPr>
+          <a:lstStyle/>
+          <a:p>
+            <a:r>
+              <a:rPr lang="ko-KR" altLang="en-US" sz="3200" dirty="0"/>
+              <a:t>캐릭터 옷</a:t>
+            </a:r>
+          </a:p>
+        </p:txBody>
+      </p:sp>
       <p:pic>
         <p:nvPicPr>
-          <p:cNvPr id="5" name="그림 4">
-            <a:extLst>
-              <a:ext uri="{FF2B5EF4-FFF2-40B4-BE49-F238E27FC236}">
-                <a16:creationId xmlns:a16="http://schemas.microsoft.com/office/drawing/2014/main" id="{523675FB-2746-53F7-3395-BEDA6277887C}"/>
+          <p:cNvPr id="5" name="그림 4" descr="텍스트이(가) 표시된 사진&#10;&#10;자동 생성된 설명">
+            <a:extLst>
+              <a:ext uri="{FF2B5EF4-FFF2-40B4-BE49-F238E27FC236}">
+                <a16:creationId xmlns:a16="http://schemas.microsoft.com/office/drawing/2014/main" id="{7A61406E-D2EB-493B-EA30-D32218761BDE}"/>
               </a:ext>
             </a:extLst>
           </p:cNvPr>
@@ -3349,8 +3708,8 @@
         </p:blipFill>
         <p:spPr>
           <a:xfrm>
-            <a:off x="1975046" y="1107102"/>
-            <a:ext cx="2794425" cy="3943906"/>
+            <a:off x="1542166" y="1272206"/>
+            <a:ext cx="2859648" cy="3807793"/>
           </a:xfrm>
           <a:prstGeom prst="rect">
             <a:avLst/>
@@ -3359,10 +3718,164 @@
       </p:pic>
       <p:pic>
         <p:nvPicPr>
-          <p:cNvPr id="9" name="그림 8" descr="사람, 실내, 입은, 의류이(가) 표시된 사진&#10;&#10;자동 생성된 설명">
-            <a:extLst>
-              <a:ext uri="{FF2B5EF4-FFF2-40B4-BE49-F238E27FC236}">
-                <a16:creationId xmlns:a16="http://schemas.microsoft.com/office/drawing/2014/main" id="{2DA2924F-23BD-8E8C-37E8-C81D9C180B94}"/>
+          <p:cNvPr id="9" name="그림 8" descr="사람, 착용, 정장, 가장이(가) 표시된 사진&#10;&#10;자동 생성된 설명">
+            <a:extLst>
+              <a:ext uri="{FF2B5EF4-FFF2-40B4-BE49-F238E27FC236}">
+                <a16:creationId xmlns:a16="http://schemas.microsoft.com/office/drawing/2014/main" id="{76780C13-75AC-5936-3276-0E38B5A52C5F}"/>
+              </a:ext>
+            </a:extLst>
+          </p:cNvPr>
+          <p:cNvPicPr>
+            <a:picLocks noChangeAspect="1"/>
+          </p:cNvPicPr>
+          <p:nvPr/>
+        </p:nvPicPr>
+        <p:blipFill>
+          <a:blip r:embed="rId3">
+            <a:extLst>
+              <a:ext uri="{28A0092B-C50C-407E-A947-70E740481C1C}">
+                <a14:useLocalDpi xmlns:a14="http://schemas.microsoft.com/office/drawing/2010/main" val="0"/>
+              </a:ext>
+            </a:extLst>
+          </a:blip>
+          <a:stretch>
+            <a:fillRect/>
+          </a:stretch>
+        </p:blipFill>
+        <p:spPr>
+          <a:xfrm>
+            <a:off x="6734265" y="1272206"/>
+            <a:ext cx="3319313" cy="3807793"/>
+          </a:xfrm>
+          <a:prstGeom prst="rect">
+            <a:avLst/>
+          </a:prstGeom>
+        </p:spPr>
+      </p:pic>
+      <p:sp>
+        <p:nvSpPr>
+          <p:cNvPr id="10" name="TextBox 9">
+            <a:extLst>
+              <a:ext uri="{FF2B5EF4-FFF2-40B4-BE49-F238E27FC236}">
+                <a16:creationId xmlns:a16="http://schemas.microsoft.com/office/drawing/2014/main" id="{E224BBCF-3B26-1166-D97F-90D27CEFFA70}"/>
+              </a:ext>
+            </a:extLst>
+          </p:cNvPr>
+          <p:cNvSpPr txBox="1"/>
+          <p:nvPr/>
+        </p:nvSpPr>
+        <p:spPr>
+          <a:xfrm>
+            <a:off x="522514" y="5193745"/>
+            <a:ext cx="11146972" cy="1077218"/>
+          </a:xfrm>
+          <a:prstGeom prst="rect">
+            <a:avLst/>
+          </a:prstGeom>
+          <a:noFill/>
+        </p:spPr>
+        <p:txBody>
+          <a:bodyPr wrap="square" rtlCol="0">
+            <a:spAutoFit/>
+          </a:bodyPr>
+          <a:lstStyle/>
+          <a:p>
+            <a:pPr marL="285750" indent="-285750">
+              <a:buFontTx/>
+              <a:buChar char="-"/>
+            </a:pPr>
+            <a:r>
+              <a:rPr lang="ko-KR" altLang="en-US" sz="1600" dirty="0"/>
+              <a:t>로브의 앞면은 짧아서 상의까지 덮는 형태이며</a:t>
+            </a:r>
+            <a:r>
+              <a:rPr lang="en-US" altLang="ko-KR" sz="1600" dirty="0"/>
+              <a:t>, </a:t>
+            </a:r>
+            <a:r>
+              <a:rPr lang="ko-KR" altLang="en-US" sz="1600" dirty="0"/>
+              <a:t>오른 가슴 쪽에 </a:t>
+            </a:r>
+            <a:r>
+              <a:rPr lang="ko-KR" altLang="en-US" sz="1600" dirty="0">
+                <a:solidFill>
+                  <a:schemeClr val="accent1"/>
+                </a:solidFill>
+              </a:rPr>
+              <a:t>모래시계 모양의 브로치가 </a:t>
+            </a:r>
+            <a:r>
+              <a:rPr lang="ko-KR" altLang="en-US" sz="1600" dirty="0"/>
+              <a:t>달려 있다</a:t>
+            </a:r>
+            <a:r>
+              <a:rPr lang="en-US" altLang="ko-KR" sz="1600" dirty="0"/>
+              <a:t>.</a:t>
+            </a:r>
+          </a:p>
+          <a:p>
+            <a:pPr marL="285750" indent="-285750">
+              <a:buFontTx/>
+              <a:buChar char="-"/>
+            </a:pPr>
+            <a:r>
+              <a:rPr lang="ko-KR" altLang="en-US" sz="1600" dirty="0"/>
+              <a:t>뒷면은 망토처럼 허벅지까지 내려오는 기다란 형태</a:t>
+            </a:r>
+            <a:endParaRPr lang="en-US" altLang="ko-KR" sz="1600" dirty="0"/>
+          </a:p>
+          <a:p>
+            <a:pPr marL="285750" indent="-285750">
+              <a:buFontTx/>
+              <a:buChar char="-"/>
+            </a:pPr>
+            <a:r>
+              <a:rPr lang="ko-KR" altLang="en-US" sz="1600" dirty="0"/>
+              <a:t>로브에는 후드 모자가 달려있다</a:t>
+            </a:r>
+            <a:r>
+              <a:rPr lang="en-US" altLang="ko-KR" sz="1600" dirty="0"/>
+              <a:t>.</a:t>
+            </a:r>
+          </a:p>
+          <a:p>
+            <a:pPr marL="285750" indent="-285750">
+              <a:buFontTx/>
+              <a:buChar char="-"/>
+            </a:pPr>
+            <a:r>
+              <a:rPr lang="ko-KR" altLang="en-US" sz="1600" dirty="0"/>
+              <a:t>로브 밑에는 와이셔츠에 넥타이를 매고 있으며</a:t>
+            </a:r>
+            <a:r>
+              <a:rPr lang="en-US" altLang="ko-KR" sz="1600" dirty="0"/>
+              <a:t>, </a:t>
+            </a:r>
+            <a:r>
+              <a:rPr lang="ko-KR" altLang="en-US" sz="1600" dirty="0"/>
+              <a:t>치마를 입고 있는 형태이다</a:t>
+            </a:r>
+            <a:r>
+              <a:rPr lang="en-US" altLang="ko-KR" sz="1600" dirty="0"/>
+              <a:t>.(</a:t>
+            </a:r>
+            <a:r>
+              <a:rPr lang="ko-KR" altLang="en-US" sz="1600" dirty="0"/>
+              <a:t>왼쪽 이미지 참고</a:t>
+            </a:r>
+            <a:r>
+              <a:rPr lang="en-US" altLang="ko-KR" sz="1600" dirty="0"/>
+              <a:t>)</a:t>
+            </a:r>
+          </a:p>
+        </p:txBody>
+      </p:sp>
+      <p:pic>
+        <p:nvPicPr>
+          <p:cNvPr id="12" name="그림 11" descr="사람, 실내, 입은, 의류이(가) 표시된 사진&#10;&#10;자동 생성된 설명">
+            <a:extLst>
+              <a:ext uri="{FF2B5EF4-FFF2-40B4-BE49-F238E27FC236}">
+                <a16:creationId xmlns:a16="http://schemas.microsoft.com/office/drawing/2014/main" id="{48FCB0C9-54E2-4B0A-0AE8-38F7CA3B6713}"/>
               </a:ext>
             </a:extLst>
           </p:cNvPr>
@@ -3372,32 +3885,62 @@
           <p:nvPr/>
         </p:nvPicPr>
         <p:blipFill rotWithShape="1">
-          <a:blip r:embed="rId3">
+          <a:blip r:embed="rId4">
             <a:extLst>
               <a:ext uri="{28A0092B-C50C-407E-A947-70E740481C1C}">
                 <a14:useLocalDpi xmlns:a14="http://schemas.microsoft.com/office/drawing/2010/main" val="0"/>
               </a:ext>
             </a:extLst>
           </a:blip>
-          <a:srcRect l="48947" t="11850"/>
+          <a:srcRect l="50000" t="10612" r="5027"/>
           <a:stretch/>
         </p:blipFill>
         <p:spPr>
           <a:xfrm>
-            <a:off x="8008955" y="1237369"/>
-            <a:ext cx="2366346" cy="3683371"/>
+            <a:off x="9992618" y="2187821"/>
+            <a:ext cx="1593447" cy="2855167"/>
           </a:xfrm>
           <a:prstGeom prst="rect">
             <a:avLst/>
           </a:prstGeom>
         </p:spPr>
       </p:pic>
-      <p:sp>
-        <p:nvSpPr>
-          <p:cNvPr id="10" name="TextBox 9">
-            <a:extLst>
-              <a:ext uri="{FF2B5EF4-FFF2-40B4-BE49-F238E27FC236}">
-                <a16:creationId xmlns:a16="http://schemas.microsoft.com/office/drawing/2014/main" id="{777B8BBC-E002-7A32-53D7-99E8050F437C}"/>
+    </p:spTree>
+    <p:extLst>
+      <p:ext uri="{BB962C8B-B14F-4D97-AF65-F5344CB8AC3E}">
+        <p14:creationId xmlns:p14="http://schemas.microsoft.com/office/powerpoint/2010/main" val="2499210122"/>
+      </p:ext>
+    </p:extLst>
+  </p:cSld>
+  <p:clrMapOvr>
+    <a:masterClrMapping/>
+  </p:clrMapOvr>
+</p:sld>
+</file>
+
+<file path=ppt/slides/slide3.xml><?xml version="1.0" encoding="utf-8"?>
+<p:sld xmlns:a="http://schemas.openxmlformats.org/drawingml/2006/main" xmlns:r="http://schemas.openxmlformats.org/officeDocument/2006/relationships" xmlns:p="http://schemas.openxmlformats.org/presentationml/2006/main">
+  <p:cSld>
+    <p:spTree>
+      <p:nvGrpSpPr>
+        <p:cNvPr id="1" name=""/>
+        <p:cNvGrpSpPr/>
+        <p:nvPr/>
+      </p:nvGrpSpPr>
+      <p:grpSpPr>
+        <a:xfrm>
+          <a:off x="0" y="0"/>
+          <a:ext cx="0" cy="0"/>
+          <a:chOff x="0" y="0"/>
+          <a:chExt cx="0" cy="0"/>
+        </a:xfrm>
+      </p:grpSpPr>
+      <p:sp>
+        <p:nvSpPr>
+          <p:cNvPr id="2" name="TextBox 1">
+            <a:extLst>
+              <a:ext uri="{FF2B5EF4-FFF2-40B4-BE49-F238E27FC236}">
+                <a16:creationId xmlns:a16="http://schemas.microsoft.com/office/drawing/2014/main" id="{3FC06CDC-EA67-6BA0-E4BC-A4FE6F88E8F9}"/>
               </a:ext>
             </a:extLst>
           </p:cNvPr>
@@ -3406,8 +3949,8 @@
         </p:nvSpPr>
         <p:spPr>
           <a:xfrm>
-            <a:off x="1112809" y="5127890"/>
-            <a:ext cx="4518900" cy="553998"/>
+            <a:off x="235131" y="235131"/>
+            <a:ext cx="3900427" cy="584775"/>
           </a:xfrm>
           <a:prstGeom prst="rect">
             <a:avLst/>
@@ -3415,54 +3958,24 @@
           <a:noFill/>
         </p:spPr>
         <p:txBody>
-          <a:bodyPr wrap="square" rtlCol="0">
+          <a:bodyPr wrap="none" rtlCol="0">
             <a:spAutoFit/>
           </a:bodyPr>
           <a:lstStyle/>
           <a:p>
-            <a:pPr algn="ctr"/>
-            <a:r>
-              <a:rPr lang="en-US" altLang="ko-KR" sz="1000" dirty="0"/>
-              <a:t>&lt;</a:t>
-            </a:r>
-            <a:r>
-              <a:rPr lang="ko-KR" altLang="en-US" sz="1000" dirty="0"/>
-              <a:t>겉옷 컨셉 및 전체적인 느낌</a:t>
-            </a:r>
-            <a:r>
-              <a:rPr lang="en-US" altLang="ko-KR" sz="1000" dirty="0"/>
-              <a:t>&gt;</a:t>
-            </a:r>
-          </a:p>
-          <a:p>
-            <a:pPr marL="171450" indent="-171450" algn="ctr">
-              <a:buFontTx/>
-              <a:buChar char="-"/>
-            </a:pPr>
-            <a:r>
-              <a:rPr lang="ko-KR" altLang="en-US" sz="1000" dirty="0"/>
-              <a:t>머리를 덮을 수 있는 후드 형식의 로브를 겉 옷으로 입고 있음</a:t>
-            </a:r>
-            <a:endParaRPr lang="en-US" altLang="ko-KR" sz="1000" dirty="0"/>
-          </a:p>
-          <a:p>
-            <a:pPr marL="171450" indent="-171450" algn="ctr">
-              <a:buFontTx/>
-              <a:buChar char="-"/>
-            </a:pPr>
-            <a:r>
-              <a:rPr lang="ko-KR" altLang="en-US" sz="1000" dirty="0"/>
-              <a:t>로브에는 무늬가 없지만 등에 가게 마크가 붙어 있음</a:t>
-            </a:r>
-          </a:p>
-        </p:txBody>
-      </p:sp>
-      <p:sp>
-        <p:nvSpPr>
-          <p:cNvPr id="11" name="TextBox 10">
-            <a:extLst>
-              <a:ext uri="{FF2B5EF4-FFF2-40B4-BE49-F238E27FC236}">
-                <a16:creationId xmlns:a16="http://schemas.microsoft.com/office/drawing/2014/main" id="{82F5A558-0FCB-9720-30D0-5CB6BA1C13A3}"/>
+            <a:r>
+              <a:rPr lang="ko-KR" altLang="en-US" sz="3200" dirty="0"/>
+              <a:t>캐릭터 외모 및 외형</a:t>
+            </a:r>
+          </a:p>
+        </p:txBody>
+      </p:sp>
+      <p:sp>
+        <p:nvSpPr>
+          <p:cNvPr id="10" name="TextBox 9">
+            <a:extLst>
+              <a:ext uri="{FF2B5EF4-FFF2-40B4-BE49-F238E27FC236}">
+                <a16:creationId xmlns:a16="http://schemas.microsoft.com/office/drawing/2014/main" id="{E224BBCF-3B26-1166-D97F-90D27CEFFA70}"/>
               </a:ext>
             </a:extLst>
           </p:cNvPr>
@@ -3471,8 +3984,8 @@
         </p:nvSpPr>
         <p:spPr>
           <a:xfrm>
-            <a:off x="6932678" y="5127890"/>
-            <a:ext cx="4518900" cy="553998"/>
+            <a:off x="522514" y="5193745"/>
+            <a:ext cx="11146972" cy="830997"/>
           </a:xfrm>
           <a:prstGeom prst="rect">
             <a:avLst/>
@@ -3485,43 +3998,81 @@
           </a:bodyPr>
           <a:lstStyle/>
           <a:p>
-            <a:pPr algn="ctr"/>
-            <a:r>
-              <a:rPr lang="en-US" altLang="ko-KR" sz="1000" dirty="0"/>
-              <a:t>&lt;</a:t>
-            </a:r>
-            <a:r>
-              <a:rPr lang="ko-KR" altLang="en-US" sz="1000" dirty="0"/>
-              <a:t>옷 컨셉</a:t>
-            </a:r>
-            <a:r>
-              <a:rPr lang="en-US" altLang="ko-KR" sz="1000" dirty="0"/>
-              <a:t>&gt;</a:t>
-            </a:r>
-          </a:p>
-          <a:p>
-            <a:pPr marL="171450" indent="-171450" algn="ctr">
+            <a:pPr marL="285750" indent="-285750">
               <a:buFontTx/>
               <a:buChar char="-"/>
             </a:pPr>
             <a:r>
-              <a:rPr lang="ko-KR" altLang="en-US" sz="1000" dirty="0"/>
-              <a:t>하얀 반팔 셔츠를 안에 입고 있음 셔츠의 무늬는 세로 줄무늬</a:t>
-            </a:r>
-            <a:endParaRPr lang="en-US" altLang="ko-KR" sz="1000" dirty="0"/>
-          </a:p>
-          <a:p>
-            <a:pPr marL="171450" indent="-171450" algn="ctr">
+              <a:rPr lang="ko-KR" altLang="en-US" sz="1600" dirty="0"/>
+              <a:t>검은 생머리에 흰머리가 가끔씩 보인다</a:t>
+            </a:r>
+            <a:r>
+              <a:rPr lang="en-US" altLang="ko-KR" sz="1600" dirty="0"/>
+              <a:t>. -&gt; </a:t>
+            </a:r>
+            <a:r>
+              <a:rPr lang="ko-KR" altLang="en-US" sz="1600" dirty="0"/>
+              <a:t>과로로 인한 흰머리</a:t>
+            </a:r>
+            <a:endParaRPr lang="en-US" altLang="ko-KR" sz="1600" dirty="0"/>
+          </a:p>
+          <a:p>
+            <a:pPr marL="285750" indent="-285750">
               <a:buFontTx/>
               <a:buChar char="-"/>
             </a:pPr>
             <a:r>
-              <a:rPr lang="ko-KR" altLang="en-US" sz="1000" dirty="0"/>
-              <a:t>하의는 허벅지까지 오는 주름 치마</a:t>
-            </a:r>
-          </a:p>
-        </p:txBody>
-      </p:sp>
+              <a:rPr lang="ko-KR" altLang="en-US" sz="1600" dirty="0" err="1"/>
+              <a:t>다크</a:t>
+            </a:r>
+            <a:r>
+              <a:rPr lang="ko-KR" altLang="en-US" sz="1600" dirty="0"/>
+              <a:t> 서클이 살짝 있다</a:t>
+            </a:r>
+            <a:r>
+              <a:rPr lang="en-US" altLang="ko-KR" sz="1600" dirty="0"/>
+              <a:t>.</a:t>
+            </a:r>
+          </a:p>
+          <a:p>
+            <a:pPr marL="285750" indent="-285750">
+              <a:buFontTx/>
+              <a:buChar char="-"/>
+            </a:pPr>
+            <a:endParaRPr lang="en-US" altLang="ko-KR" sz="1600" dirty="0"/>
+          </a:p>
+        </p:txBody>
+      </p:sp>
+    </p:spTree>
+    <p:extLst>
+      <p:ext uri="{BB962C8B-B14F-4D97-AF65-F5344CB8AC3E}">
+        <p14:creationId xmlns:p14="http://schemas.microsoft.com/office/powerpoint/2010/main" val="1958780698"/>
+      </p:ext>
+    </p:extLst>
+  </p:cSld>
+  <p:clrMapOvr>
+    <a:masterClrMapping/>
+  </p:clrMapOvr>
+</p:sld>
+</file>
+
+<file path=ppt/slides/slide4.xml><?xml version="1.0" encoding="utf-8"?>
+<p:sld xmlns:a="http://schemas.openxmlformats.org/drawingml/2006/main" xmlns:r="http://schemas.openxmlformats.org/officeDocument/2006/relationships" xmlns:p="http://schemas.openxmlformats.org/presentationml/2006/main">
+  <p:cSld>
+    <p:spTree>
+      <p:nvGrpSpPr>
+        <p:cNvPr id="1" name=""/>
+        <p:cNvGrpSpPr/>
+        <p:nvPr/>
+      </p:nvGrpSpPr>
+      <p:grpSpPr>
+        <a:xfrm>
+          <a:off x="0" y="0"/>
+          <a:ext cx="0" cy="0"/>
+          <a:chOff x="0" y="0"/>
+          <a:chExt cx="0" cy="0"/>
+        </a:xfrm>
+      </p:grpSpPr>
     </p:spTree>
     <p:extLst>
       <p:ext uri="{BB962C8B-B14F-4D97-AF65-F5344CB8AC3E}">

--- a/document/캐릭터이미지.pptx
+++ b/document/캐릭터이미지.pptx
@@ -262,7 +262,7 @@
           <a:p>
             <a:fld id="{2162F094-1C8A-46D0-AA96-9F1D21E7A6F0}" type="datetimeFigureOut">
               <a:rPr lang="ko-KR" altLang="en-US" smtClean="0"/>
-              <a:t>2023-01-05</a:t>
+              <a:t>2023-01-10</a:t>
             </a:fld>
             <a:endParaRPr lang="ko-KR" altLang="en-US"/>
           </a:p>
@@ -460,7 +460,7 @@
           <a:p>
             <a:fld id="{2162F094-1C8A-46D0-AA96-9F1D21E7A6F0}" type="datetimeFigureOut">
               <a:rPr lang="ko-KR" altLang="en-US" smtClean="0"/>
-              <a:t>2023-01-05</a:t>
+              <a:t>2023-01-10</a:t>
             </a:fld>
             <a:endParaRPr lang="ko-KR" altLang="en-US"/>
           </a:p>
@@ -668,7 +668,7 @@
           <a:p>
             <a:fld id="{2162F094-1C8A-46D0-AA96-9F1D21E7A6F0}" type="datetimeFigureOut">
               <a:rPr lang="ko-KR" altLang="en-US" smtClean="0"/>
-              <a:t>2023-01-05</a:t>
+              <a:t>2023-01-10</a:t>
             </a:fld>
             <a:endParaRPr lang="ko-KR" altLang="en-US"/>
           </a:p>
@@ -866,7 +866,7 @@
           <a:p>
             <a:fld id="{2162F094-1C8A-46D0-AA96-9F1D21E7A6F0}" type="datetimeFigureOut">
               <a:rPr lang="ko-KR" altLang="en-US" smtClean="0"/>
-              <a:t>2023-01-05</a:t>
+              <a:t>2023-01-10</a:t>
             </a:fld>
             <a:endParaRPr lang="ko-KR" altLang="en-US"/>
           </a:p>
@@ -1141,7 +1141,7 @@
           <a:p>
             <a:fld id="{2162F094-1C8A-46D0-AA96-9F1D21E7A6F0}" type="datetimeFigureOut">
               <a:rPr lang="ko-KR" altLang="en-US" smtClean="0"/>
-              <a:t>2023-01-05</a:t>
+              <a:t>2023-01-10</a:t>
             </a:fld>
             <a:endParaRPr lang="ko-KR" altLang="en-US"/>
           </a:p>
@@ -1406,7 +1406,7 @@
           <a:p>
             <a:fld id="{2162F094-1C8A-46D0-AA96-9F1D21E7A6F0}" type="datetimeFigureOut">
               <a:rPr lang="ko-KR" altLang="en-US" smtClean="0"/>
-              <a:t>2023-01-05</a:t>
+              <a:t>2023-01-10</a:t>
             </a:fld>
             <a:endParaRPr lang="ko-KR" altLang="en-US"/>
           </a:p>
@@ -1818,7 +1818,7 @@
           <a:p>
             <a:fld id="{2162F094-1C8A-46D0-AA96-9F1D21E7A6F0}" type="datetimeFigureOut">
               <a:rPr lang="ko-KR" altLang="en-US" smtClean="0"/>
-              <a:t>2023-01-05</a:t>
+              <a:t>2023-01-10</a:t>
             </a:fld>
             <a:endParaRPr lang="ko-KR" altLang="en-US"/>
           </a:p>
@@ -1959,7 +1959,7 @@
           <a:p>
             <a:fld id="{2162F094-1C8A-46D0-AA96-9F1D21E7A6F0}" type="datetimeFigureOut">
               <a:rPr lang="ko-KR" altLang="en-US" smtClean="0"/>
-              <a:t>2023-01-05</a:t>
+              <a:t>2023-01-10</a:t>
             </a:fld>
             <a:endParaRPr lang="ko-KR" altLang="en-US"/>
           </a:p>
@@ -2072,7 +2072,7 @@
           <a:p>
             <a:fld id="{2162F094-1C8A-46D0-AA96-9F1D21E7A6F0}" type="datetimeFigureOut">
               <a:rPr lang="ko-KR" altLang="en-US" smtClean="0"/>
-              <a:t>2023-01-05</a:t>
+              <a:t>2023-01-10</a:t>
             </a:fld>
             <a:endParaRPr lang="ko-KR" altLang="en-US"/>
           </a:p>
@@ -2383,7 +2383,7 @@
           <a:p>
             <a:fld id="{2162F094-1C8A-46D0-AA96-9F1D21E7A6F0}" type="datetimeFigureOut">
               <a:rPr lang="ko-KR" altLang="en-US" smtClean="0"/>
-              <a:t>2023-01-05</a:t>
+              <a:t>2023-01-10</a:t>
             </a:fld>
             <a:endParaRPr lang="ko-KR" altLang="en-US"/>
           </a:p>
@@ -2671,7 +2671,7 @@
           <a:p>
             <a:fld id="{2162F094-1C8A-46D0-AA96-9F1D21E7A6F0}" type="datetimeFigureOut">
               <a:rPr lang="ko-KR" altLang="en-US" smtClean="0"/>
-              <a:t>2023-01-05</a:t>
+              <a:t>2023-01-10</a:t>
             </a:fld>
             <a:endParaRPr lang="ko-KR" altLang="en-US"/>
           </a:p>
@@ -2912,7 +2912,7 @@
           <a:p>
             <a:fld id="{2162F094-1C8A-46D0-AA96-9F1D21E7A6F0}" type="datetimeFigureOut">
               <a:rPr lang="ko-KR" altLang="en-US" smtClean="0"/>
-              <a:t>2023-01-05</a:t>
+              <a:t>2023-01-10</a:t>
             </a:fld>
             <a:endParaRPr lang="ko-KR" altLang="en-US"/>
           </a:p>
@@ -3985,7 +3985,7 @@
         <p:spPr>
           <a:xfrm>
             <a:off x="522514" y="5193745"/>
-            <a:ext cx="11146972" cy="830997"/>
+            <a:ext cx="11146972" cy="584775"/>
           </a:xfrm>
           <a:prstGeom prst="rect">
             <a:avLst/>
@@ -4003,36 +4003,22 @@
               <a:buChar char="-"/>
             </a:pPr>
             <a:r>
+              <a:rPr lang="ko-KR" altLang="en-US" sz="1600" dirty="0" err="1"/>
+              <a:t>머리색</a:t>
+            </a:r>
+            <a:r>
+              <a:rPr lang="en-US" altLang="ko-KR" sz="1600" dirty="0"/>
+              <a:t>, </a:t>
+            </a:r>
+            <a:r>
+              <a:rPr lang="ko-KR" altLang="en-US" sz="1600" dirty="0" err="1"/>
+              <a:t>눈색은</a:t>
+            </a:r>
+            <a:r>
               <a:rPr lang="ko-KR" altLang="en-US" sz="1600" dirty="0"/>
-              <a:t>검은 생머리에 흰머리가 가끔씩 보인다</a:t>
-            </a:r>
-            <a:r>
-              <a:rPr lang="en-US" altLang="ko-KR" sz="1600" dirty="0"/>
-              <a:t>. -&gt; </a:t>
-            </a:r>
-            <a:r>
-              <a:rPr lang="ko-KR" altLang="en-US" sz="1600" dirty="0"/>
-              <a:t>과로로 인한 흰머리</a:t>
+              <a:t> 커스터마이징이 가능하도록</a:t>
             </a:r>
             <a:endParaRPr lang="en-US" altLang="ko-KR" sz="1600" dirty="0"/>
-          </a:p>
-          <a:p>
-            <a:pPr marL="285750" indent="-285750">
-              <a:buFontTx/>
-              <a:buChar char="-"/>
-            </a:pPr>
-            <a:r>
-              <a:rPr lang="ko-KR" altLang="en-US" sz="1600" dirty="0" err="1"/>
-              <a:t>다크</a:t>
-            </a:r>
-            <a:r>
-              <a:rPr lang="ko-KR" altLang="en-US" sz="1600" dirty="0"/>
-              <a:t> 서클이 살짝 있다</a:t>
-            </a:r>
-            <a:r>
-              <a:rPr lang="en-US" altLang="ko-KR" sz="1600" dirty="0"/>
-              <a:t>.</a:t>
-            </a:r>
           </a:p>
           <a:p>
             <a:pPr marL="285750" indent="-285750">
